--- a/final/howard_ginny_final.pptx
+++ b/final/howard_ginny_final.pptx
@@ -8,7 +8,8 @@
     <p:sldId id="256" r:id="rId2"/>
     <p:sldId id="257" r:id="rId3"/>
     <p:sldId id="258" r:id="rId4"/>
-    <p:sldId id="259" r:id="rId5"/>
+    <p:sldId id="260" r:id="rId5"/>
+    <p:sldId id="259" r:id="rId6"/>
   </p:sldIdLst>
   <p:sldSz cx="12192000" cy="6858000"/>
   <p:notesSz cx="6858000" cy="9144000"/>
@@ -6287,25 +6288,103 @@
             <a:endParaRPr lang="en-CA" sz="2800" dirty="0"/>
           </a:p>
           <a:p>
-            <a:r>
-              <a:rPr lang="en-CA" sz="2800" dirty="0"/>
-              <a:t>Included a video on the homepage that gives a small tour of the town</a:t>
-            </a:r>
-          </a:p>
-          <a:p>
             <a:endParaRPr lang="en-CA" sz="2800" dirty="0"/>
           </a:p>
           <a:p>
-            <a:r>
-              <a:rPr lang="en-CA" sz="2800" dirty="0"/>
-              <a:t>Weather widget that gives up to date weather for people looking to visit</a:t>
-            </a:r>
-          </a:p>
-          <a:p>
             <a:endParaRPr lang="en-CA" sz="2800" dirty="0"/>
           </a:p>
         </p:txBody>
       </p:sp>
+      <p:pic>
+        <p:nvPicPr>
+          <p:cNvPr id="4" name="Picture 3">
+            <a:extLst>
+              <a:ext uri="{FF2B5EF4-FFF2-40B4-BE49-F238E27FC236}">
+                <a16:creationId xmlns:a16="http://schemas.microsoft.com/office/drawing/2014/main" id="{0DDD662E-743D-4753-9D5E-0B2ECEB22D6D}"/>
+              </a:ext>
+            </a:extLst>
+          </p:cNvPr>
+          <p:cNvPicPr>
+            <a:picLocks noChangeAspect="1"/>
+          </p:cNvPicPr>
+          <p:nvPr/>
+        </p:nvPicPr>
+        <p:blipFill>
+          <a:blip r:embed="rId2"/>
+          <a:stretch>
+            <a:fillRect/>
+          </a:stretch>
+        </p:blipFill>
+        <p:spPr>
+          <a:xfrm>
+            <a:off x="0" y="2507699"/>
+            <a:ext cx="6096003" cy="921302"/>
+          </a:xfrm>
+          <a:prstGeom prst="rect">
+            <a:avLst/>
+          </a:prstGeom>
+        </p:spPr>
+      </p:pic>
+      <p:pic>
+        <p:nvPicPr>
+          <p:cNvPr id="6" name="Picture 5">
+            <a:extLst>
+              <a:ext uri="{FF2B5EF4-FFF2-40B4-BE49-F238E27FC236}">
+                <a16:creationId xmlns:a16="http://schemas.microsoft.com/office/drawing/2014/main" id="{B7EDEEC8-36AA-44C8-9C78-CC9304703370}"/>
+              </a:ext>
+            </a:extLst>
+          </p:cNvPr>
+          <p:cNvPicPr>
+            <a:picLocks noChangeAspect="1"/>
+          </p:cNvPicPr>
+          <p:nvPr/>
+        </p:nvPicPr>
+        <p:blipFill>
+          <a:blip r:embed="rId3"/>
+          <a:stretch>
+            <a:fillRect/>
+          </a:stretch>
+        </p:blipFill>
+        <p:spPr>
+          <a:xfrm>
+            <a:off x="6843252" y="2423561"/>
+            <a:ext cx="3309195" cy="1248787"/>
+          </a:xfrm>
+          <a:prstGeom prst="rect">
+            <a:avLst/>
+          </a:prstGeom>
+        </p:spPr>
+      </p:pic>
+      <p:pic>
+        <p:nvPicPr>
+          <p:cNvPr id="7" name="Picture 6">
+            <a:extLst>
+              <a:ext uri="{FF2B5EF4-FFF2-40B4-BE49-F238E27FC236}">
+                <a16:creationId xmlns:a16="http://schemas.microsoft.com/office/drawing/2014/main" id="{7E07CAA1-5143-4E52-853C-E2C61CA6FD53}"/>
+              </a:ext>
+            </a:extLst>
+          </p:cNvPr>
+          <p:cNvPicPr>
+            <a:picLocks noChangeAspect="1"/>
+          </p:cNvPicPr>
+          <p:nvPr/>
+        </p:nvPicPr>
+        <p:blipFill>
+          <a:blip r:embed="rId4"/>
+          <a:stretch>
+            <a:fillRect/>
+          </a:stretch>
+        </p:blipFill>
+        <p:spPr>
+          <a:xfrm>
+            <a:off x="0" y="4154744"/>
+            <a:ext cx="6426195" cy="815462"/>
+          </a:xfrm>
+          <a:prstGeom prst="rect">
+            <a:avLst/>
+          </a:prstGeom>
+        </p:spPr>
+      </p:pic>
     </p:spTree>
     <p:extLst>
       <p:ext uri="{BB962C8B-B14F-4D97-AF65-F5344CB8AC3E}">
@@ -6320,6 +6399,90 @@
 </file>
 
 <file path=ppt/slides/slide4.xml><?xml version="1.0" encoding="utf-8"?>
+<p:sld xmlns:a="http://schemas.openxmlformats.org/drawingml/2006/main" xmlns:r="http://schemas.openxmlformats.org/officeDocument/2006/relationships" xmlns:p="http://schemas.openxmlformats.org/presentationml/2006/main">
+  <p:cSld>
+    <p:spTree>
+      <p:nvGrpSpPr>
+        <p:cNvPr id="1" name=""/>
+        <p:cNvGrpSpPr/>
+        <p:nvPr/>
+      </p:nvGrpSpPr>
+      <p:grpSpPr>
+        <a:xfrm>
+          <a:off x="0" y="0"/>
+          <a:ext cx="0" cy="0"/>
+          <a:chOff x="0" y="0"/>
+          <a:chExt cx="0" cy="0"/>
+        </a:xfrm>
+      </p:grpSpPr>
+      <p:sp>
+        <p:nvSpPr>
+          <p:cNvPr id="2" name="Title 1">
+            <a:extLst>
+              <a:ext uri="{FF2B5EF4-FFF2-40B4-BE49-F238E27FC236}">
+                <a16:creationId xmlns:a16="http://schemas.microsoft.com/office/drawing/2014/main" id="{CCA46254-6921-41E2-9974-B609ADB42B46}"/>
+              </a:ext>
+            </a:extLst>
+          </p:cNvPr>
+          <p:cNvSpPr>
+            <a:spLocks noGrp="1"/>
+          </p:cNvSpPr>
+          <p:nvPr>
+            <p:ph type="title"/>
+          </p:nvPr>
+        </p:nvSpPr>
+        <p:spPr/>
+        <p:txBody>
+          <a:bodyPr/>
+          <a:lstStyle/>
+          <a:p>
+            <a:endParaRPr lang="en-CA" dirty="0"/>
+          </a:p>
+        </p:txBody>
+      </p:sp>
+      <p:pic>
+        <p:nvPicPr>
+          <p:cNvPr id="5" name="Picture 4">
+            <a:extLst>
+              <a:ext uri="{FF2B5EF4-FFF2-40B4-BE49-F238E27FC236}">
+                <a16:creationId xmlns:a16="http://schemas.microsoft.com/office/drawing/2014/main" id="{2131ED13-3763-4DA1-8013-6E3616E329BE}"/>
+              </a:ext>
+            </a:extLst>
+          </p:cNvPr>
+          <p:cNvPicPr>
+            <a:picLocks noChangeAspect="1"/>
+          </p:cNvPicPr>
+          <p:nvPr/>
+        </p:nvPicPr>
+        <p:blipFill rotWithShape="1">
+          <a:blip r:embed="rId2"/>
+          <a:srcRect r="1272" b="6628"/>
+          <a:stretch/>
+        </p:blipFill>
+        <p:spPr>
+          <a:xfrm>
+            <a:off x="1533832" y="1580051"/>
+            <a:ext cx="8775292" cy="4668350"/>
+          </a:xfrm>
+          <a:prstGeom prst="rect">
+            <a:avLst/>
+          </a:prstGeom>
+        </p:spPr>
+      </p:pic>
+    </p:spTree>
+    <p:extLst>
+      <p:ext uri="{BB962C8B-B14F-4D97-AF65-F5344CB8AC3E}">
+        <p14:creationId xmlns:p14="http://schemas.microsoft.com/office/powerpoint/2010/main" val="598901694"/>
+      </p:ext>
+    </p:extLst>
+  </p:cSld>
+  <p:clrMapOvr>
+    <a:masterClrMapping/>
+  </p:clrMapOvr>
+</p:sld>
+</file>
+
+<file path=ppt/slides/slide5.xml><?xml version="1.0" encoding="utf-8"?>
 <p:sld xmlns:a="http://schemas.openxmlformats.org/drawingml/2006/main" xmlns:r="http://schemas.openxmlformats.org/officeDocument/2006/relationships" xmlns:p="http://schemas.openxmlformats.org/presentationml/2006/main">
   <p:cSld>
     <p:spTree>
